--- a/docs/images/package_structure_flowchart/flowchart.pptx
+++ b/docs/images/package_structure_flowchart/flowchart.pptx
@@ -104,6 +104,11 @@
       </a:defRPr>
     </a:lvl9pPr>
   </p:defaultTextStyle>
+  <p:extLst>
+    <p:ext uri="{EFAFB233-063F-42B5-8137-9DF3F51BA10A}">
+      <p15:sldGuideLst xmlns:p15="http://schemas.microsoft.com/office/powerpoint/2012/main"/>
+    </p:ext>
+  </p:extLst>
 </p:presentation>
 </file>
 
@@ -26964,14 +26969,13 @@
           <p:cNvCxnSpPr>
             <a:cxnSpLocks/>
             <a:stCxn id="9" idx="2"/>
-            <a:endCxn id="6" idx="0"/>
           </p:cNvCxnSpPr>
           <p:nvPr/>
         </p:nvCxnSpPr>
         <p:spPr>
-          <a:xfrm flipH="1">
-            <a:off x="5458257" y="2737575"/>
-            <a:ext cx="3" cy="1620258"/>
+          <a:xfrm>
+            <a:off x="5458260" y="2737575"/>
+            <a:ext cx="0" cy="2350992"/>
           </a:xfrm>
           <a:prstGeom prst="straightConnector1">
             <a:avLst/>
@@ -27077,8 +27081,8 @@
         </p:nvSpPr>
         <p:spPr>
           <a:xfrm>
-            <a:off x="4021682" y="4357833"/>
-            <a:ext cx="2873149" cy="1200329"/>
+            <a:off x="3554136" y="5272988"/>
+            <a:ext cx="2298312" cy="1015663"/>
           </a:xfrm>
           <a:prstGeom prst="rect">
             <a:avLst/>
@@ -27108,36 +27112,14 @@
           <a:p>
             <a:pPr algn="ctr" defTabSz="96450"/>
             <a:r>
-              <a:rPr lang="en-US" sz="1200" b="1" dirty="0" err="1">
+              <a:rPr lang="en-US" sz="1200" b="1" dirty="0">
                 <a:solidFill>
                   <a:prstClr val="white"/>
                 </a:solidFill>
                 <a:latin typeface="Courier New" panose="02070309020205020404" pitchFamily="49" charset="0"/>
                 <a:cs typeface="Courier New" panose="02070309020205020404" pitchFamily="49" charset="0"/>
               </a:rPr>
-              <a:t>diags</a:t>
-            </a:r>
-            <a:endParaRPr lang="en-US" sz="1200" b="1" dirty="0">
-              <a:solidFill>
-                <a:prstClr val="white"/>
-              </a:solidFill>
-              <a:latin typeface="Courier New" panose="02070309020205020404" pitchFamily="49" charset="0"/>
-              <a:cs typeface="Courier New" panose="02070309020205020404" pitchFamily="49" charset="0"/>
-            </a:endParaRPr>
-          </a:p>
-          <a:p>
-            <a:pPr marL="60282" indent="-60282" algn="ctr" defTabSz="96450">
-              <a:buFont typeface="Arial" panose="020B0604020202020204" pitchFamily="34" charset="0"/>
-              <a:buChar char="•"/>
-            </a:pPr>
-            <a:r>
-              <a:rPr lang="en-US" sz="1200" dirty="0">
-                <a:solidFill>
-                  <a:prstClr val="white"/>
-                </a:solidFill>
-                <a:latin typeface="Roboto"/>
-              </a:rPr>
-              <a:t>Frequency</a:t>
+              <a:t>calc</a:t>
             </a:r>
           </a:p>
           <a:p>
@@ -27197,7 +27179,7 @@
                 </a:solidFill>
                 <a:latin typeface="Roboto"/>
               </a:rPr>
-              <a:t>Lifecycle</a:t>
+              <a:t>Lifecycle, rates</a:t>
             </a:r>
           </a:p>
         </p:txBody>
@@ -27216,8 +27198,8 @@
         </p:nvSpPr>
         <p:spPr>
           <a:xfrm>
-            <a:off x="7245207" y="4352844"/>
-            <a:ext cx="1696573" cy="830997"/>
+            <a:off x="6012293" y="5272988"/>
+            <a:ext cx="1696573" cy="1015663"/>
           </a:xfrm>
           <a:prstGeom prst="rect">
             <a:avLst/>
@@ -27302,6 +27284,21 @@
               <a:t>Venn diagrams</a:t>
             </a:r>
           </a:p>
+          <a:p>
+            <a:pPr marL="60282" indent="-60282" algn="ctr" defTabSz="96450">
+              <a:buFont typeface="Arial" panose="020B0604020202020204" pitchFamily="34" charset="0"/>
+              <a:buChar char="•"/>
+            </a:pPr>
+            <a:r>
+              <a:rPr lang="en-US" sz="1200" dirty="0">
+                <a:solidFill>
+                  <a:prstClr val="white"/>
+                </a:solidFill>
+                <a:latin typeface="Roboto"/>
+              </a:rPr>
+              <a:t>Doughnuts</a:t>
+            </a:r>
+          </a:p>
         </p:txBody>
       </p:sp>
       <p:sp>
@@ -27318,7 +27315,7 @@
         </p:nvSpPr>
         <p:spPr>
           <a:xfrm>
-            <a:off x="1566288" y="4352843"/>
+            <a:off x="1265743" y="5278221"/>
             <a:ext cx="2115788" cy="830997"/>
           </a:xfrm>
           <a:prstGeom prst="rect">
@@ -27936,7 +27933,7 @@
         </p:nvSpPr>
         <p:spPr>
           <a:xfrm>
-            <a:off x="4710730" y="3509879"/>
+            <a:off x="4710731" y="4178520"/>
             <a:ext cx="1495055" cy="461665"/>
           </a:xfrm>
           <a:prstGeom prst="rect">
@@ -27976,7 +27973,7 @@
                 <a:latin typeface="Courier New" panose="02070309020205020404" pitchFamily="49" charset="0"/>
                 <a:cs typeface="Courier New" panose="02070309020205020404" pitchFamily="49" charset="0"/>
               </a:rPr>
-              <a:t>utils</a:t>
+              <a:t>info</a:t>
             </a:r>
           </a:p>
           <a:p>
@@ -28007,7 +28004,7 @@
         </p:nvSpPr>
         <p:spPr>
           <a:xfrm>
-            <a:off x="8941780" y="3643241"/>
+            <a:off x="8941780" y="4252841"/>
             <a:ext cx="2446438" cy="341783"/>
           </a:xfrm>
           <a:prstGeom prst="rect">
@@ -28072,7 +28069,7 @@
         </p:nvCxnSpPr>
         <p:spPr>
           <a:xfrm>
-            <a:off x="6531825" y="3814132"/>
+            <a:off x="6531825" y="4423732"/>
             <a:ext cx="2409955" cy="1"/>
           </a:xfrm>
           <a:prstGeom prst="straightConnector1">
@@ -28097,6 +28094,222 @@
           </a:fontRef>
         </p:style>
       </p:cxnSp>
+      <p:sp>
+        <p:nvSpPr>
+          <p:cNvPr id="3" name="TextBox 2">
+            <a:extLst>
+              <a:ext uri="{FF2B5EF4-FFF2-40B4-BE49-F238E27FC236}">
+                <a16:creationId xmlns:a16="http://schemas.microsoft.com/office/drawing/2014/main" id="{6AE7EE04-2A86-E0F9-3648-A6E942D98706}"/>
+              </a:ext>
+            </a:extLst>
+          </p:cNvPr>
+          <p:cNvSpPr txBox="1"/>
+          <p:nvPr/>
+        </p:nvSpPr>
+        <p:spPr>
+          <a:xfrm>
+            <a:off x="4657129" y="3555802"/>
+            <a:ext cx="1602254" cy="461665"/>
+          </a:xfrm>
+          <a:prstGeom prst="rect">
+            <a:avLst/>
+          </a:prstGeom>
+          <a:ln>
+            <a:headEnd type="none" w="med" len="med"/>
+            <a:tailEnd type="none" w="med" len="med"/>
+          </a:ln>
+        </p:spPr>
+        <p:style>
+          <a:lnRef idx="1">
+            <a:schemeClr val="accent4"/>
+          </a:lnRef>
+          <a:fillRef idx="2">
+            <a:schemeClr val="accent4"/>
+          </a:fillRef>
+          <a:effectRef idx="1">
+            <a:schemeClr val="accent4"/>
+          </a:effectRef>
+          <a:fontRef idx="minor">
+            <a:schemeClr val="dk1"/>
+          </a:fontRef>
+        </p:style>
+        <p:txBody>
+          <a:bodyPr wrap="square" rtlCol="0">
+            <a:spAutoFit/>
+          </a:bodyPr>
+          <a:lstStyle/>
+          <a:p>
+            <a:pPr algn="ctr" defTabSz="96450"/>
+            <a:r>
+              <a:rPr lang="en-US" sz="1200" b="1" dirty="0" err="1">
+                <a:solidFill>
+                  <a:srgbClr val="002147"/>
+                </a:solidFill>
+                <a:latin typeface="Courier New" panose="02070309020205020404" pitchFamily="49" charset="0"/>
+                <a:cs typeface="Courier New" panose="02070309020205020404" pitchFamily="49" charset="0"/>
+              </a:rPr>
+              <a:t>interp</a:t>
+            </a:r>
+            <a:endParaRPr lang="en-US" sz="1200" b="1" dirty="0">
+              <a:solidFill>
+                <a:srgbClr val="002147"/>
+              </a:solidFill>
+              <a:latin typeface="Courier New" panose="02070309020205020404" pitchFamily="49" charset="0"/>
+              <a:cs typeface="Courier New" panose="02070309020205020404" pitchFamily="49" charset="0"/>
+            </a:endParaRPr>
+          </a:p>
+          <a:p>
+            <a:pPr algn="ctr" defTabSz="96450"/>
+            <a:r>
+              <a:rPr lang="en-US" sz="1200" dirty="0">
+                <a:solidFill>
+                  <a:srgbClr val="002147"/>
+                </a:solidFill>
+                <a:latin typeface="Roboto"/>
+              </a:rPr>
+              <a:t>Tracks interpolation</a:t>
+            </a:r>
+          </a:p>
+        </p:txBody>
+      </p:sp>
+      <p:sp>
+        <p:nvSpPr>
+          <p:cNvPr id="10" name="TextBox 9">
+            <a:extLst>
+              <a:ext uri="{FF2B5EF4-FFF2-40B4-BE49-F238E27FC236}">
+                <a16:creationId xmlns:a16="http://schemas.microsoft.com/office/drawing/2014/main" id="{CE10DCA4-400A-2A3D-9712-D4F605960CF1}"/>
+              </a:ext>
+            </a:extLst>
+          </p:cNvPr>
+          <p:cNvSpPr txBox="1"/>
+          <p:nvPr/>
+        </p:nvSpPr>
+        <p:spPr>
+          <a:xfrm>
+            <a:off x="7868711" y="5272988"/>
+            <a:ext cx="1696573" cy="830997"/>
+          </a:xfrm>
+          <a:prstGeom prst="rect">
+            <a:avLst/>
+          </a:prstGeom>
+        </p:spPr>
+        <p:style>
+          <a:lnRef idx="2">
+            <a:schemeClr val="dk1">
+              <a:shade val="15000"/>
+            </a:schemeClr>
+          </a:lnRef>
+          <a:fillRef idx="1">
+            <a:schemeClr val="dk1"/>
+          </a:fillRef>
+          <a:effectRef idx="0">
+            <a:schemeClr val="dk1"/>
+          </a:effectRef>
+          <a:fontRef idx="minor">
+            <a:schemeClr val="lt1"/>
+          </a:fontRef>
+        </p:style>
+        <p:txBody>
+          <a:bodyPr wrap="square" rtlCol="0">
+            <a:spAutoFit/>
+          </a:bodyPr>
+          <a:lstStyle/>
+          <a:p>
+            <a:pPr algn="ctr" defTabSz="96450"/>
+            <a:r>
+              <a:rPr lang="en-US" sz="1200" b="1" dirty="0" err="1">
+                <a:solidFill>
+                  <a:prstClr val="white"/>
+                </a:solidFill>
+                <a:latin typeface="Courier New" panose="02070309020205020404" pitchFamily="49" charset="0"/>
+                <a:cs typeface="Courier New" panose="02070309020205020404" pitchFamily="49" charset="0"/>
+              </a:rPr>
+              <a:t>tc</a:t>
+            </a:r>
+            <a:endParaRPr lang="en-US" sz="1200" b="1" dirty="0">
+              <a:solidFill>
+                <a:prstClr val="white"/>
+              </a:solidFill>
+              <a:latin typeface="Courier New" panose="02070309020205020404" pitchFamily="49" charset="0"/>
+              <a:cs typeface="Courier New" panose="02070309020205020404" pitchFamily="49" charset="0"/>
+            </a:endParaRPr>
+          </a:p>
+          <a:p>
+            <a:pPr marL="60282" indent="-60282" algn="ctr" defTabSz="96450">
+              <a:buFont typeface="Arial" panose="020B0604020202020204" pitchFamily="34" charset="0"/>
+              <a:buChar char="•"/>
+            </a:pPr>
+            <a:r>
+              <a:rPr lang="en-US" sz="1200" dirty="0">
+                <a:solidFill>
+                  <a:prstClr val="white"/>
+                </a:solidFill>
+                <a:latin typeface="Roboto"/>
+              </a:rPr>
+              <a:t>ACE, PACE</a:t>
+            </a:r>
+          </a:p>
+          <a:p>
+            <a:pPr marL="60282" indent="-60282" algn="ctr" defTabSz="96450">
+              <a:buFont typeface="Arial" panose="020B0604020202020204" pitchFamily="34" charset="0"/>
+              <a:buChar char="•"/>
+            </a:pPr>
+            <a:r>
+              <a:rPr lang="en-US" sz="1200" dirty="0">
+                <a:solidFill>
+                  <a:prstClr val="white"/>
+                </a:solidFill>
+                <a:latin typeface="Roboto"/>
+              </a:rPr>
+              <a:t>SSHS &amp; pressure categories</a:t>
+            </a:r>
+          </a:p>
+        </p:txBody>
+      </p:sp>
+      <p:sp>
+        <p:nvSpPr>
+          <p:cNvPr id="19" name="Right Brace 18">
+            <a:extLst>
+              <a:ext uri="{FF2B5EF4-FFF2-40B4-BE49-F238E27FC236}">
+                <a16:creationId xmlns:a16="http://schemas.microsoft.com/office/drawing/2014/main" id="{7F32883A-E271-4911-179C-6D9FA0FADC0F}"/>
+              </a:ext>
+            </a:extLst>
+          </p:cNvPr>
+          <p:cNvSpPr/>
+          <p:nvPr/>
+        </p:nvSpPr>
+        <p:spPr>
+          <a:xfrm rot="16200000">
+            <a:off x="5395422" y="604261"/>
+            <a:ext cx="123103" cy="9118776"/>
+          </a:xfrm>
+          <a:prstGeom prst="rightBrace">
+            <a:avLst/>
+          </a:prstGeom>
+        </p:spPr>
+        <p:style>
+          <a:lnRef idx="3">
+            <a:schemeClr val="dk1"/>
+          </a:lnRef>
+          <a:fillRef idx="0">
+            <a:schemeClr val="dk1"/>
+          </a:fillRef>
+          <a:effectRef idx="2">
+            <a:schemeClr val="dk1"/>
+          </a:effectRef>
+          <a:fontRef idx="minor">
+            <a:schemeClr val="tx1"/>
+          </a:fontRef>
+        </p:style>
+        <p:txBody>
+          <a:bodyPr rtlCol="0" anchor="ctr"/>
+          <a:lstStyle/>
+          <a:p>
+            <a:pPr algn="ctr"/>
+            <a:endParaRPr lang="en-US"/>
+          </a:p>
+        </p:txBody>
+      </p:sp>
     </p:spTree>
     <p:extLst>
       <p:ext uri="{BB962C8B-B14F-4D97-AF65-F5344CB8AC3E}">
